--- a/Discussione Laurea/Slide Definitive.pptx
+++ b/Discussione Laurea/Slide Definitive.pptx
@@ -229,7 +229,7 @@
             <a:fld id="{45BF3CCC-77DD-F84F-A249-CA3C5045A043}" type="datetime1">
               <a:rPr lang="it-IT" smtClean="0"/>
               <a:pPr/>
-              <a:t>10/07/2019</a:t>
+              <a:t>11/07/2019</a:t>
             </a:fld>
             <a:endParaRPr lang="it-IT"/>
           </a:p>
@@ -397,7 +397,7 @@
             <a:fld id="{FE692227-D6DC-FD45-9507-DB2BAD58473C}" type="datetime1">
               <a:rPr lang="it-IT" smtClean="0"/>
               <a:pPr/>
-              <a:t>10/07/2019</a:t>
+              <a:t>11/07/2019</a:t>
             </a:fld>
             <a:endParaRPr lang="it-IT"/>
           </a:p>
@@ -2291,7 +2291,7 @@
             <a:fld id="{AD8BF249-6BAC-CD40-AAE9-334F110649E5}" type="datetimeFigureOut">
               <a:rPr lang="it-IT" smtClean="0"/>
               <a:pPr/>
-              <a:t>10/07/2019</a:t>
+              <a:t>11/07/2019</a:t>
             </a:fld>
             <a:endParaRPr lang="it-IT"/>
           </a:p>
@@ -2461,7 +2461,7 @@
             <a:fld id="{AD8BF249-6BAC-CD40-AAE9-334F110649E5}" type="datetimeFigureOut">
               <a:rPr lang="it-IT" smtClean="0"/>
               <a:pPr/>
-              <a:t>10/07/2019</a:t>
+              <a:t>11/07/2019</a:t>
             </a:fld>
             <a:endParaRPr lang="it-IT"/>
           </a:p>
@@ -2641,7 +2641,7 @@
             <a:fld id="{AD8BF249-6BAC-CD40-AAE9-334F110649E5}" type="datetimeFigureOut">
               <a:rPr lang="it-IT" smtClean="0"/>
               <a:pPr/>
-              <a:t>10/07/2019</a:t>
+              <a:t>11/07/2019</a:t>
             </a:fld>
             <a:endParaRPr lang="it-IT"/>
           </a:p>
@@ -2811,7 +2811,7 @@
             <a:fld id="{AD8BF249-6BAC-CD40-AAE9-334F110649E5}" type="datetimeFigureOut">
               <a:rPr lang="it-IT" smtClean="0"/>
               <a:pPr/>
-              <a:t>10/07/2019</a:t>
+              <a:t>11/07/2019</a:t>
             </a:fld>
             <a:endParaRPr lang="it-IT"/>
           </a:p>
@@ -3058,7 +3058,7 @@
             <a:fld id="{AD8BF249-6BAC-CD40-AAE9-334F110649E5}" type="datetimeFigureOut">
               <a:rPr lang="it-IT" smtClean="0"/>
               <a:pPr/>
-              <a:t>10/07/2019</a:t>
+              <a:t>11/07/2019</a:t>
             </a:fld>
             <a:endParaRPr lang="it-IT"/>
           </a:p>
@@ -3345,7 +3345,7 @@
             <a:fld id="{AD8BF249-6BAC-CD40-AAE9-334F110649E5}" type="datetimeFigureOut">
               <a:rPr lang="it-IT" smtClean="0"/>
               <a:pPr/>
-              <a:t>10/07/2019</a:t>
+              <a:t>11/07/2019</a:t>
             </a:fld>
             <a:endParaRPr lang="it-IT"/>
           </a:p>
@@ -3766,7 +3766,7 @@
             <a:fld id="{AD8BF249-6BAC-CD40-AAE9-334F110649E5}" type="datetimeFigureOut">
               <a:rPr lang="it-IT" smtClean="0"/>
               <a:pPr/>
-              <a:t>10/07/2019</a:t>
+              <a:t>11/07/2019</a:t>
             </a:fld>
             <a:endParaRPr lang="it-IT"/>
           </a:p>
@@ -3885,7 +3885,7 @@
             <a:fld id="{AD8BF249-6BAC-CD40-AAE9-334F110649E5}" type="datetimeFigureOut">
               <a:rPr lang="it-IT" smtClean="0"/>
               <a:pPr/>
-              <a:t>10/07/2019</a:t>
+              <a:t>11/07/2019</a:t>
             </a:fld>
             <a:endParaRPr lang="it-IT"/>
           </a:p>
@@ -3982,7 +3982,7 @@
             <a:fld id="{AD8BF249-6BAC-CD40-AAE9-334F110649E5}" type="datetimeFigureOut">
               <a:rPr lang="it-IT" smtClean="0"/>
               <a:pPr/>
-              <a:t>10/07/2019</a:t>
+              <a:t>11/07/2019</a:t>
             </a:fld>
             <a:endParaRPr lang="it-IT"/>
           </a:p>
@@ -4259,7 +4259,7 @@
             <a:fld id="{AD8BF249-6BAC-CD40-AAE9-334F110649E5}" type="datetimeFigureOut">
               <a:rPr lang="it-IT" smtClean="0"/>
               <a:pPr/>
-              <a:t>10/07/2019</a:t>
+              <a:t>11/07/2019</a:t>
             </a:fld>
             <a:endParaRPr lang="it-IT"/>
           </a:p>
@@ -4513,7 +4513,7 @@
             <a:fld id="{AD8BF249-6BAC-CD40-AAE9-334F110649E5}" type="datetimeFigureOut">
               <a:rPr lang="it-IT" smtClean="0"/>
               <a:pPr/>
-              <a:t>10/07/2019</a:t>
+              <a:t>11/07/2019</a:t>
             </a:fld>
             <a:endParaRPr lang="it-IT"/>
           </a:p>
@@ -4726,7 +4726,7 @@
             <a:fld id="{AD8BF249-6BAC-CD40-AAE9-334F110649E5}" type="datetimeFigureOut">
               <a:rPr lang="it-IT" smtClean="0"/>
               <a:pPr/>
-              <a:t>10/07/2019</a:t>
+              <a:t>11/07/2019</a:t>
             </a:fld>
             <a:endParaRPr lang="it-IT"/>
           </a:p>
@@ -13318,8 +13318,8 @@
           </a:p>
         </p:txBody>
       </p:sp>
-      <mc:AlternateContent xmlns:mc="http://schemas.openxmlformats.org/markup-compatibility/2006">
-        <mc:Choice xmlns:a14="http://schemas.microsoft.com/office/drawing/2010/main" Requires="a14">
+      <mc:AlternateContent xmlns:mc="http://schemas.openxmlformats.org/markup-compatibility/2006" xmlns:a14="http://schemas.microsoft.com/office/drawing/2010/main">
+        <mc:Choice Requires="a14">
           <p:sp>
             <p:nvSpPr>
               <p:cNvPr id="28" name="CasellaDiTesto 27">
@@ -13483,7 +13483,7 @@
             </p:txBody>
           </p:sp>
         </mc:Choice>
-        <mc:Fallback>
+        <mc:Fallback xmlns="">
           <p:sp>
             <p:nvSpPr>
               <p:cNvPr id="28" name="CasellaDiTesto 27">
@@ -14544,8 +14544,8 @@
           </a:p>
         </p:txBody>
       </p:sp>
-      <mc:AlternateContent xmlns:mc="http://schemas.openxmlformats.org/markup-compatibility/2006" xmlns:a14="http://schemas.microsoft.com/office/drawing/2010/main">
-        <mc:Choice Requires="a14">
+      <mc:AlternateContent xmlns:mc="http://schemas.openxmlformats.org/markup-compatibility/2006">
+        <mc:Choice xmlns:a14="http://schemas.microsoft.com/office/drawing/2010/main" Requires="a14">
           <p:sp>
             <p:nvSpPr>
               <p:cNvPr id="28" name="CasellaDiTesto 27">
@@ -14711,13 +14711,6 @@
                       </a:rPr>
                       <m:t>𝑛</m:t>
                     </m:r>
-                    <m:r>
-                      <a:rPr lang="it-IT" sz="1400" b="0" i="1" smtClean="0">
-                        <a:latin typeface="Cambria Math" panose="02040503050406030204" pitchFamily="18" charset="0"/>
-                        <a:cs typeface="Arial" panose="020B0604020202020204" pitchFamily="34" charset="0"/>
-                      </a:rPr>
-                      <m:t>−1</m:t>
-                    </m:r>
                   </m:oMath>
                 </a14:m>
                 <a:r>
@@ -14782,14 +14775,6 @@
                       <m:t>𝑛</m:t>
                     </m:r>
                     <m:r>
-                      <a:rPr lang="it-IT" sz="1400" b="0" i="1" smtClean="0">
-                        <a:latin typeface="Cambria Math" panose="02040503050406030204" pitchFamily="18" charset="0"/>
-                        <a:cs typeface="Arial" panose="020B0604020202020204" pitchFamily="34" charset="0"/>
-                        <a:sym typeface="Wingdings" panose="05000000000000000000" pitchFamily="2" charset="2"/>
-                      </a:rPr>
-                      <m:t>−1</m:t>
-                    </m:r>
-                    <m:r>
                       <a:rPr lang="it-IT" sz="1400" i="1">
                         <a:latin typeface="Cambria Math" panose="02040503050406030204" pitchFamily="18" charset="0"/>
                         <a:cs typeface="Arial" panose="020B0604020202020204" pitchFamily="34" charset="0"/>
@@ -14807,7 +14792,7 @@
             </p:txBody>
           </p:sp>
         </mc:Choice>
-        <mc:Fallback xmlns="">
+        <mc:Fallback>
           <p:sp>
             <p:nvSpPr>
               <p:cNvPr id="28" name="CasellaDiTesto 27">
@@ -14854,10 +14839,10 @@
       </mc:AlternateContent>
       <p:pic>
         <p:nvPicPr>
-          <p:cNvPr id="4" name="Immagine 3">
+          <p:cNvPr id="8" name="Immagine 7">
             <a:extLst>
               <a:ext uri="{FF2B5EF4-FFF2-40B4-BE49-F238E27FC236}">
-                <a16:creationId xmlns:a16="http://schemas.microsoft.com/office/drawing/2014/main" id="{06AA4C96-487C-4655-BC30-3B9A243B02AD}"/>
+                <a16:creationId xmlns:a16="http://schemas.microsoft.com/office/drawing/2014/main" id="{7CBE121F-4E77-41C6-95C2-321D579B21C2}"/>
               </a:ext>
             </a:extLst>
           </p:cNvPr>
@@ -14878,8 +14863,8 @@
         </p:blipFill>
         <p:spPr>
           <a:xfrm>
-            <a:off x="2282536" y="3422115"/>
-            <a:ext cx="4597200" cy="259423"/>
+            <a:off x="2282536" y="3422116"/>
+            <a:ext cx="4209569" cy="263076"/>
           </a:xfrm>
           <a:prstGeom prst="rect">
             <a:avLst/>
@@ -22953,8 +22938,8 @@
 <p:tagLst xmlns:a="http://schemas.openxmlformats.org/drawingml/2006/main" xmlns:r="http://schemas.openxmlformats.org/officeDocument/2006/relationships" xmlns:p="http://schemas.openxmlformats.org/presentationml/2006/main">
   <p:tag name="OUTPUTDPI" val="1200"/>
   <p:tag name="ORIGINALHEIGHT" val="140,9824"/>
-  <p:tag name="ORIGINALWIDTH" val="2533,183"/>
-  <p:tag name="LATEXADDIN" val="\documentclass{article}&#10;\usepackage{amsmath}&#10;\pagestyle{empty}&#10;\begin{document}&#10;&#10;&#10;\[T(Totale)=T(UPGMA) \times O(n-1)\simeq O(n^2)\]&#10;&#10;\end{document}"/>
+  <p:tag name="ORIGINALWIDTH" val="2318,71"/>
+  <p:tag name="LATEXADDIN" val="\documentclass{article}&#10;\usepackage{amsmath}&#10;\pagestyle{empty}&#10;\begin{document}&#10;&#10;&#10;\[T(Totale)=T(UPGMA) \times O(n)=O(n^2)\]&#10;&#10;\end{document}"/>
   <p:tag name="IGUANATEXSIZE" val="20"/>
   <p:tag name="IGUANATEXCURSOR" val="115"/>
   <p:tag name="TRANSPARENCY" val="Vero"/>
